--- a/documents/jump_analysis_v1.0.pptx
+++ b/documents/jump_analysis_v1.0.pptx
@@ -215,7 +215,7 @@
           <a:p>
             <a:fld id="{F6D77A3E-B966-D64F-8631-E8FC32573072}" type="datetimeFigureOut">
               <a:rPr kumimoji="1" lang="zh-TW" altLang="en-US" smtClean="0"/>
-              <a:t>2017/6/30</a:t>
+              <a:t>2017/7/3</a:t>
             </a:fld>
             <a:endParaRPr kumimoji="1" lang="zh-TW" altLang="en-US"/>
           </a:p>
@@ -676,7 +676,7 @@
           <a:p>
             <a:fld id="{1C483012-DBBF-AE41-85EA-BA6C09FB0419}" type="datetimeFigureOut">
               <a:rPr kumimoji="1" lang="zh-TW" altLang="en-US" smtClean="0"/>
-              <a:t>2017/6/30</a:t>
+              <a:t>2017/7/3</a:t>
             </a:fld>
             <a:endParaRPr kumimoji="1" lang="zh-TW" altLang="en-US"/>
           </a:p>
@@ -1046,7 +1046,7 @@
           <a:p>
             <a:fld id="{1C483012-DBBF-AE41-85EA-BA6C09FB0419}" type="datetimeFigureOut">
               <a:rPr kumimoji="1" lang="zh-TW" altLang="en-US" smtClean="0"/>
-              <a:t>2017/6/30</a:t>
+              <a:t>2017/7/3</a:t>
             </a:fld>
             <a:endParaRPr kumimoji="1" lang="zh-TW" altLang="en-US"/>
           </a:p>
@@ -1230,7 +1230,7 @@
           <a:p>
             <a:fld id="{1C483012-DBBF-AE41-85EA-BA6C09FB0419}" type="datetimeFigureOut">
               <a:rPr kumimoji="1" lang="zh-TW" altLang="en-US" smtClean="0"/>
-              <a:t>2017/6/30</a:t>
+              <a:t>2017/7/3</a:t>
             </a:fld>
             <a:endParaRPr kumimoji="1" lang="zh-TW" altLang="en-US"/>
           </a:p>
@@ -1404,7 +1404,7 @@
           <a:p>
             <a:fld id="{1C483012-DBBF-AE41-85EA-BA6C09FB0419}" type="datetimeFigureOut">
               <a:rPr kumimoji="1" lang="zh-TW" altLang="en-US" smtClean="0"/>
-              <a:t>2017/6/30</a:t>
+              <a:t>2017/7/3</a:t>
             </a:fld>
             <a:endParaRPr kumimoji="1" lang="zh-TW" altLang="en-US"/>
           </a:p>
@@ -1662,7 +1662,7 @@
           <a:p>
             <a:fld id="{1C483012-DBBF-AE41-85EA-BA6C09FB0419}" type="datetimeFigureOut">
               <a:rPr kumimoji="1" lang="zh-TW" altLang="en-US" smtClean="0"/>
-              <a:t>2017/6/30</a:t>
+              <a:t>2017/7/3</a:t>
             </a:fld>
             <a:endParaRPr kumimoji="1" lang="zh-TW" altLang="en-US"/>
           </a:p>
@@ -1954,7 +1954,7 @@
           <a:p>
             <a:fld id="{1C483012-DBBF-AE41-85EA-BA6C09FB0419}" type="datetimeFigureOut">
               <a:rPr kumimoji="1" lang="zh-TW" altLang="en-US" smtClean="0"/>
-              <a:t>2017/6/30</a:t>
+              <a:t>2017/7/3</a:t>
             </a:fld>
             <a:endParaRPr kumimoji="1" lang="zh-TW" altLang="en-US"/>
           </a:p>
@@ -2402,7 +2402,7 @@
           <a:p>
             <a:fld id="{1C483012-DBBF-AE41-85EA-BA6C09FB0419}" type="datetimeFigureOut">
               <a:rPr kumimoji="1" lang="zh-TW" altLang="en-US" smtClean="0"/>
-              <a:t>2017/6/30</a:t>
+              <a:t>2017/7/3</a:t>
             </a:fld>
             <a:endParaRPr kumimoji="1" lang="zh-TW" altLang="en-US"/>
           </a:p>
@@ -2524,7 +2524,7 @@
           <a:p>
             <a:fld id="{1C483012-DBBF-AE41-85EA-BA6C09FB0419}" type="datetimeFigureOut">
               <a:rPr kumimoji="1" lang="zh-TW" altLang="en-US" smtClean="0"/>
-              <a:t>2017/6/30</a:t>
+              <a:t>2017/7/3</a:t>
             </a:fld>
             <a:endParaRPr kumimoji="1" lang="zh-TW" altLang="en-US"/>
           </a:p>
@@ -2623,7 +2623,7 @@
           <a:p>
             <a:fld id="{1C483012-DBBF-AE41-85EA-BA6C09FB0419}" type="datetimeFigureOut">
               <a:rPr kumimoji="1" lang="zh-TW" altLang="en-US" smtClean="0"/>
-              <a:t>2017/6/30</a:t>
+              <a:t>2017/7/3</a:t>
             </a:fld>
             <a:endParaRPr kumimoji="1" lang="zh-TW" altLang="en-US"/>
           </a:p>
@@ -2874,7 +2874,7 @@
           <a:p>
             <a:fld id="{1C483012-DBBF-AE41-85EA-BA6C09FB0419}" type="datetimeFigureOut">
               <a:rPr kumimoji="1" lang="zh-TW" altLang="en-US" smtClean="0"/>
-              <a:t>2017/6/30</a:t>
+              <a:t>2017/7/3</a:t>
             </a:fld>
             <a:endParaRPr kumimoji="1" lang="zh-TW" altLang="en-US"/>
           </a:p>
@@ -3177,7 +3177,7 @@
           <a:p>
             <a:fld id="{1C483012-DBBF-AE41-85EA-BA6C09FB0419}" type="datetimeFigureOut">
               <a:rPr kumimoji="1" lang="zh-TW" altLang="en-US" smtClean="0"/>
-              <a:t>2017/6/30</a:t>
+              <a:t>2017/7/3</a:t>
             </a:fld>
             <a:endParaRPr kumimoji="1" lang="zh-TW" altLang="en-US"/>
           </a:p>
@@ -3480,7 +3480,7 @@
           <a:p>
             <a:fld id="{1C483012-DBBF-AE41-85EA-BA6C09FB0419}" type="datetimeFigureOut">
               <a:rPr kumimoji="1" lang="zh-TW" altLang="en-US" smtClean="0"/>
-              <a:t>2017/6/30</a:t>
+              <a:t>2017/7/3</a:t>
             </a:fld>
             <a:endParaRPr kumimoji="1" lang="zh-TW" altLang="en-US"/>
           </a:p>
@@ -14623,11 +14623,7 @@
             </a:r>
             <a:r>
               <a:rPr kumimoji="1" lang="en-US" altLang="zh-TW" sz="1600" smtClean="0"/>
-              <a:t>User </a:t>
-            </a:r>
-            <a:r>
-              <a:rPr kumimoji="1" lang="en-US" altLang="zh-TW" sz="1600" smtClean="0"/>
-              <a:t>Analysis</a:t>
+              <a:t>User Analysis</a:t>
             </a:r>
             <a:endParaRPr kumimoji="1" lang="zh-TW" altLang="en-US" sz="1600" dirty="0"/>
           </a:p>
